--- a/PPT/memory_management.pptx
+++ b/PPT/memory_management.pptx
@@ -200,7 +200,7 @@
           <a:p>
             <a:fld id="{C1B8E64C-0EDD-4C93-95A2-E8C52A5645D1}" type="datetimeFigureOut">
               <a:rPr lang="en-US" smtClean="0"/>
-              <a:t>12-Nov-20</a:t>
+              <a:t>21-Nov-20</a:t>
             </a:fld>
             <a:endParaRPr lang="en-US"/>
           </a:p>
@@ -580,7 +580,7 @@
             <a:fld id="{1D8BD707-D9CF-40AE-B4C6-C98DA3205C09}" type="datetimeFigureOut">
               <a:rPr lang="en-US" smtClean="0"/>
               <a:pPr/>
-              <a:t>12-Nov-20</a:t>
+              <a:t>21-Nov-20</a:t>
             </a:fld>
             <a:endParaRPr lang="en-US"/>
           </a:p>
@@ -808,7 +808,7 @@
             <a:fld id="{1D8BD707-D9CF-40AE-B4C6-C98DA3205C09}" type="datetimeFigureOut">
               <a:rPr lang="en-US" smtClean="0"/>
               <a:pPr/>
-              <a:t>12-Nov-20</a:t>
+              <a:t>21-Nov-20</a:t>
             </a:fld>
             <a:endParaRPr lang="en-US"/>
           </a:p>
@@ -985,7 +985,7 @@
             <a:fld id="{1D8BD707-D9CF-40AE-B4C6-C98DA3205C09}" type="datetimeFigureOut">
               <a:rPr lang="en-US" smtClean="0"/>
               <a:pPr/>
-              <a:t>12-Nov-20</a:t>
+              <a:t>21-Nov-20</a:t>
             </a:fld>
             <a:endParaRPr lang="en-US"/>
           </a:p>
@@ -1152,7 +1152,7 @@
             <a:fld id="{1D8BD707-D9CF-40AE-B4C6-C98DA3205C09}" type="datetimeFigureOut">
               <a:rPr lang="en-US" smtClean="0"/>
               <a:pPr/>
-              <a:t>12-Nov-20</a:t>
+              <a:t>21-Nov-20</a:t>
             </a:fld>
             <a:endParaRPr lang="en-US"/>
           </a:p>
@@ -1398,7 +1398,7 @@
             <a:fld id="{1D8BD707-D9CF-40AE-B4C6-C98DA3205C09}" type="datetimeFigureOut">
               <a:rPr lang="en-US" smtClean="0"/>
               <a:pPr/>
-              <a:t>12-Nov-20</a:t>
+              <a:t>21-Nov-20</a:t>
             </a:fld>
             <a:endParaRPr lang="en-US"/>
           </a:p>
@@ -1664,7 +1664,7 @@
             <a:fld id="{1D8BD707-D9CF-40AE-B4C6-C98DA3205C09}" type="datetimeFigureOut">
               <a:rPr lang="en-US" smtClean="0"/>
               <a:pPr/>
-              <a:t>12-Nov-20</a:t>
+              <a:t>21-Nov-20</a:t>
             </a:fld>
             <a:endParaRPr lang="en-US"/>
           </a:p>
@@ -2040,7 +2040,7 @@
             <a:fld id="{1D8BD707-D9CF-40AE-B4C6-C98DA3205C09}" type="datetimeFigureOut">
               <a:rPr lang="en-US" smtClean="0"/>
               <a:pPr/>
-              <a:t>12-Nov-20</a:t>
+              <a:t>21-Nov-20</a:t>
             </a:fld>
             <a:endParaRPr lang="en-US"/>
           </a:p>
@@ -2155,7 +2155,7 @@
             <a:fld id="{1D8BD707-D9CF-40AE-B4C6-C98DA3205C09}" type="datetimeFigureOut">
               <a:rPr lang="en-US" smtClean="0"/>
               <a:pPr/>
-              <a:t>12-Nov-20</a:t>
+              <a:t>21-Nov-20</a:t>
             </a:fld>
             <a:endParaRPr lang="en-US"/>
           </a:p>
@@ -2247,7 +2247,7 @@
             <a:fld id="{1D8BD707-D9CF-40AE-B4C6-C98DA3205C09}" type="datetimeFigureOut">
               <a:rPr lang="en-US" smtClean="0"/>
               <a:pPr/>
-              <a:t>12-Nov-20</a:t>
+              <a:t>21-Nov-20</a:t>
             </a:fld>
             <a:endParaRPr lang="en-US"/>
           </a:p>
@@ -2507,7 +2507,7 @@
             <a:fld id="{1D8BD707-D9CF-40AE-B4C6-C98DA3205C09}" type="datetimeFigureOut">
               <a:rPr lang="en-US" smtClean="0"/>
               <a:pPr/>
-              <a:t>12-Nov-20</a:t>
+              <a:t>21-Nov-20</a:t>
             </a:fld>
             <a:endParaRPr lang="en-US"/>
           </a:p>
@@ -2773,7 +2773,7 @@
             <a:fld id="{1D8BD707-D9CF-40AE-B4C6-C98DA3205C09}" type="datetimeFigureOut">
               <a:rPr lang="en-US" smtClean="0"/>
               <a:pPr/>
-              <a:t>12-Nov-20</a:t>
+              <a:t>21-Nov-20</a:t>
             </a:fld>
             <a:endParaRPr lang="en-US"/>
           </a:p>
@@ -2992,7 +2992,7 @@
             <a:fld id="{1D8BD707-D9CF-40AE-B4C6-C98DA3205C09}" type="datetimeFigureOut">
               <a:rPr lang="en-US" smtClean="0"/>
               <a:pPr/>
-              <a:t>12-Nov-20</a:t>
+              <a:t>21-Nov-20</a:t>
             </a:fld>
             <a:endParaRPr lang="en-US"/>
           </a:p>
@@ -4148,12 +4148,12 @@
               <a:buNone/>
             </a:pPr>
             <a:r>
-              <a:rPr lang="en-US" sz="2400" dirty="0" err="1" smtClean="0"/>
-              <a:t>Int</a:t>
+              <a:rPr lang="en-US" sz="2400" smtClean="0"/>
+              <a:t>char </a:t>
             </a:r>
             <a:r>
               <a:rPr lang="en-US" sz="2400" dirty="0" smtClean="0"/>
-              <a:t> * p =</a:t>
+              <a:t>* p =</a:t>
             </a:r>
             <a:r>
               <a:rPr lang="en-US" sz="2400" dirty="0" err="1" smtClean="0"/>
@@ -4170,7 +4170,11 @@
             </a:pPr>
             <a:r>
               <a:rPr lang="en-US" sz="2400" dirty="0" smtClean="0"/>
-              <a:t>*p=“hello”;</a:t>
+              <a:t>p</a:t>
+            </a:r>
+            <a:r>
+              <a:rPr lang="en-US" sz="2400" dirty="0" smtClean="0"/>
+              <a:t>=“hello”;</a:t>
             </a:r>
           </a:p>
           <a:p>
